--- a/Presentation.pptx
+++ b/Presentation.pptx
@@ -31,6 +31,7 @@
     <p:sldId id="279" r:id="rId25"/>
     <p:sldId id="280" r:id="rId26"/>
     <p:sldId id="281" r:id="rId27"/>
+    <p:sldId id="282" r:id="rId28"/>
   </p:sldIdLst>
   <p:sldSz cx="9144000" cy="6858000" type="screen4x3"/>
   <p:notesSz cx="6858000" cy="9144000"/>
@@ -160,6 +161,7 @@
             <p14:sldId id="279"/>
             <p14:sldId id="280"/>
             <p14:sldId id="281"/>
+            <p14:sldId id="282"/>
           </p14:sldIdLst>
         </p14:section>
       </p14:sectionLst>
@@ -349,7 +351,7 @@
           <a:p>
             <a:fld id="{B4C71EC6-210F-42DE-9C53-41977AD35B3D}" type="datetimeFigureOut">
               <a:rPr lang="ru-RU" smtClean="0"/>
-              <a:t>25.01.2019</a:t>
+              <a:t>29.01.2019</a:t>
             </a:fld>
             <a:endParaRPr lang="ru-RU"/>
           </a:p>
@@ -514,7 +516,7 @@
           <a:p>
             <a:fld id="{B4C71EC6-210F-42DE-9C53-41977AD35B3D}" type="datetimeFigureOut">
               <a:rPr lang="ru-RU" smtClean="0"/>
-              <a:t>25.01.2019</a:t>
+              <a:t>29.01.2019</a:t>
             </a:fld>
             <a:endParaRPr lang="ru-RU"/>
           </a:p>
@@ -689,7 +691,7 @@
           <a:p>
             <a:fld id="{B4C71EC6-210F-42DE-9C53-41977AD35B3D}" type="datetimeFigureOut">
               <a:rPr lang="ru-RU" smtClean="0"/>
-              <a:t>25.01.2019</a:t>
+              <a:t>29.01.2019</a:t>
             </a:fld>
             <a:endParaRPr lang="ru-RU"/>
           </a:p>
@@ -854,7 +856,7 @@
           <a:p>
             <a:fld id="{B4C71EC6-210F-42DE-9C53-41977AD35B3D}" type="datetimeFigureOut">
               <a:rPr lang="ru-RU" smtClean="0"/>
-              <a:t>25.01.2019</a:t>
+              <a:t>29.01.2019</a:t>
             </a:fld>
             <a:endParaRPr lang="ru-RU"/>
           </a:p>
@@ -1095,7 +1097,7 @@
           <a:p>
             <a:fld id="{B4C71EC6-210F-42DE-9C53-41977AD35B3D}" type="datetimeFigureOut">
               <a:rPr lang="ru-RU" smtClean="0"/>
-              <a:t>25.01.2019</a:t>
+              <a:t>29.01.2019</a:t>
             </a:fld>
             <a:endParaRPr lang="ru-RU"/>
           </a:p>
@@ -1378,7 +1380,7 @@
           <a:p>
             <a:fld id="{B4C71EC6-210F-42DE-9C53-41977AD35B3D}" type="datetimeFigureOut">
               <a:rPr lang="ru-RU" smtClean="0"/>
-              <a:t>25.01.2019</a:t>
+              <a:t>29.01.2019</a:t>
             </a:fld>
             <a:endParaRPr lang="ru-RU"/>
           </a:p>
@@ -1795,7 +1797,7 @@
           <a:p>
             <a:fld id="{B4C71EC6-210F-42DE-9C53-41977AD35B3D}" type="datetimeFigureOut">
               <a:rPr lang="ru-RU" smtClean="0"/>
-              <a:t>25.01.2019</a:t>
+              <a:t>29.01.2019</a:t>
             </a:fld>
             <a:endParaRPr lang="ru-RU"/>
           </a:p>
@@ -1908,7 +1910,7 @@
           <a:p>
             <a:fld id="{B4C71EC6-210F-42DE-9C53-41977AD35B3D}" type="datetimeFigureOut">
               <a:rPr lang="ru-RU" smtClean="0"/>
-              <a:t>25.01.2019</a:t>
+              <a:t>29.01.2019</a:t>
             </a:fld>
             <a:endParaRPr lang="ru-RU"/>
           </a:p>
@@ -1998,7 +2000,7 @@
           <a:p>
             <a:fld id="{B4C71EC6-210F-42DE-9C53-41977AD35B3D}" type="datetimeFigureOut">
               <a:rPr lang="ru-RU" smtClean="0"/>
-              <a:t>25.01.2019</a:t>
+              <a:t>29.01.2019</a:t>
             </a:fld>
             <a:endParaRPr lang="ru-RU"/>
           </a:p>
@@ -2270,7 +2272,7 @@
           <a:p>
             <a:fld id="{B4C71EC6-210F-42DE-9C53-41977AD35B3D}" type="datetimeFigureOut">
               <a:rPr lang="ru-RU" smtClean="0"/>
-              <a:t>25.01.2019</a:t>
+              <a:t>29.01.2019</a:t>
             </a:fld>
             <a:endParaRPr lang="ru-RU"/>
           </a:p>
@@ -2518,7 +2520,7 @@
           <a:p>
             <a:fld id="{B4C71EC6-210F-42DE-9C53-41977AD35B3D}" type="datetimeFigureOut">
               <a:rPr lang="ru-RU" smtClean="0"/>
-              <a:t>25.01.2019</a:t>
+              <a:t>29.01.2019</a:t>
             </a:fld>
             <a:endParaRPr lang="ru-RU"/>
           </a:p>
@@ -2726,7 +2728,7 @@
           <a:p>
             <a:fld id="{B4C71EC6-210F-42DE-9C53-41977AD35B3D}" type="datetimeFigureOut">
               <a:rPr lang="ru-RU" smtClean="0"/>
-              <a:t>25.01.2019</a:t>
+              <a:t>29.01.2019</a:t>
             </a:fld>
             <a:endParaRPr lang="ru-RU"/>
           </a:p>
@@ -4068,11 +4070,7 @@
             </a:r>
             <a:r>
               <a:rPr lang="ru-RU" dirty="0" smtClean="0"/>
-              <a:t>можно поместить константное кол-во </a:t>
-            </a:r>
-            <a:r>
-              <a:rPr lang="ru-RU" dirty="0" smtClean="0"/>
-              <a:t>точек так, чтобы между любыми двумя  расстояние было не меньше </a:t>
+              <a:t>можно поместить константное кол-во точек так, чтобы между любыми двумя  расстояние было не меньше </a:t>
             </a:r>
             <a:r>
               <a:rPr lang="en-US" i="1" dirty="0" smtClean="0"/>
@@ -4084,11 +4082,7 @@
             </a:r>
             <a:r>
               <a:rPr lang="ru-RU" dirty="0" smtClean="0"/>
-              <a:t> </a:t>
-            </a:r>
-            <a:r>
-              <a:rPr lang="ru-RU" dirty="0" smtClean="0"/>
-              <a:t>то итоговое количество операций второго типа будет тоже </a:t>
+              <a:t> то итоговое количество операций второго типа будет тоже </a:t>
             </a:r>
             <a:r>
               <a:rPr lang="en-US" i="1" dirty="0" smtClean="0"/>
@@ -6261,6 +6255,168 @@
       </p:par>
     </p:tnLst>
   </p:timing>
+</p:sld>
+</file>
+
+<file path=ppt/slides/slide27.xml><?xml version="1.0" encoding="utf-8"?>
+<p:sld xmlns:a="http://schemas.openxmlformats.org/drawingml/2006/main" xmlns:r="http://schemas.openxmlformats.org/officeDocument/2006/relationships" xmlns:p="http://schemas.openxmlformats.org/presentationml/2006/main">
+  <p:cSld>
+    <p:spTree>
+      <p:nvGrpSpPr>
+        <p:cNvPr id="1" name=""/>
+        <p:cNvGrpSpPr/>
+        <p:nvPr/>
+      </p:nvGrpSpPr>
+      <p:grpSpPr>
+        <a:xfrm>
+          <a:off x="0" y="0"/>
+          <a:ext cx="0" cy="0"/>
+          <a:chOff x="0" y="0"/>
+          <a:chExt cx="0" cy="0"/>
+        </a:xfrm>
+      </p:grpSpPr>
+      <p:sp>
+        <p:nvSpPr>
+          <p:cNvPr id="2" name="Заголовок 1"/>
+          <p:cNvSpPr>
+            <a:spLocks noGrp="1"/>
+          </p:cNvSpPr>
+          <p:nvPr>
+            <p:ph type="title"/>
+          </p:nvPr>
+        </p:nvSpPr>
+        <p:spPr/>
+        <p:txBody>
+          <a:bodyPr/>
+          <a:lstStyle/>
+          <a:p>
+            <a:r>
+              <a:rPr lang="ru-RU" dirty="0" smtClean="0"/>
+              <a:t>Примеры решенных </a:t>
+            </a:r>
+            <a:r>
+              <a:rPr lang="en-US" dirty="0" smtClean="0"/>
+              <a:t>ACM </a:t>
+            </a:r>
+            <a:r>
+              <a:rPr lang="ru-RU" dirty="0" smtClean="0"/>
+              <a:t>задач</a:t>
+            </a:r>
+            <a:endParaRPr lang="ru-RU" dirty="0"/>
+          </a:p>
+        </p:txBody>
+      </p:sp>
+      <p:sp>
+        <p:nvSpPr>
+          <p:cNvPr id="3" name="Объект 2"/>
+          <p:cNvSpPr>
+            <a:spLocks noGrp="1"/>
+          </p:cNvSpPr>
+          <p:nvPr>
+            <p:ph idx="1"/>
+          </p:nvPr>
+        </p:nvSpPr>
+        <p:spPr/>
+        <p:txBody>
+          <a:bodyPr/>
+          <a:lstStyle/>
+          <a:p>
+            <a:r>
+              <a:rPr lang="en-US" dirty="0"/>
+              <a:t>Closest triplet - </a:t>
+            </a:r>
+            <a:r>
+              <a:rPr lang="en-US" dirty="0">
+                <a:hlinkClick r:id="rId2"/>
+              </a:rPr>
+              <a:t>https://www.spoj.com/problems/CLOSEST</a:t>
+            </a:r>
+            <a:r>
+              <a:rPr lang="en-US" dirty="0" smtClean="0">
+                <a:hlinkClick r:id="rId2"/>
+              </a:rPr>
+              <a:t>/</a:t>
+            </a:r>
+            <a:endParaRPr lang="en-US" dirty="0" smtClean="0"/>
+          </a:p>
+          <a:p>
+            <a:r>
+              <a:rPr lang="ru-RU" dirty="0" smtClean="0"/>
+              <a:t>В задаче нужно было найти тройку точек, которые образует треугольник минимального периметра</a:t>
+            </a:r>
+          </a:p>
+          <a:p>
+            <a:r>
+              <a:rPr lang="ru-RU" dirty="0"/>
+              <a:t>й</a:t>
+            </a:r>
+          </a:p>
+        </p:txBody>
+      </p:sp>
+      <p:pic>
+        <p:nvPicPr>
+          <p:cNvPr id="1026" name="Picture 2"/>
+          <p:cNvPicPr>
+            <a:picLocks noChangeAspect="1" noChangeArrowheads="1"/>
+          </p:cNvPicPr>
+          <p:nvPr/>
+        </p:nvPicPr>
+        <p:blipFill>
+          <a:blip r:embed="rId3">
+            <a:extLst>
+              <a:ext uri="{28A0092B-C50C-407E-A947-70E740481C1C}">
+                <a14:useLocalDpi xmlns:a14="http://schemas.microsoft.com/office/drawing/2010/main" val="0"/>
+              </a:ext>
+            </a:extLst>
+          </a:blip>
+          <a:srcRect/>
+          <a:stretch>
+            <a:fillRect/>
+          </a:stretch>
+        </p:blipFill>
+        <p:spPr bwMode="auto">
+          <a:xfrm>
+            <a:off x="827584" y="4365104"/>
+            <a:ext cx="7735717" cy="720080"/>
+          </a:xfrm>
+          <a:prstGeom prst="rect">
+            <a:avLst/>
+          </a:prstGeom>
+          <a:noFill/>
+          <a:ln>
+            <a:noFill/>
+          </a:ln>
+          <a:extLst>
+            <a:ext uri="{909E8E84-426E-40DD-AFC4-6F175D3DCCD1}">
+              <a14:hiddenFill xmlns:a14="http://schemas.microsoft.com/office/drawing/2010/main">
+                <a:solidFill>
+                  <a:schemeClr val="accent1"/>
+                </a:solidFill>
+              </a14:hiddenFill>
+            </a:ext>
+            <a:ext uri="{91240B29-F687-4F45-9708-019B960494DF}">
+              <a14:hiddenLine xmlns:a14="http://schemas.microsoft.com/office/drawing/2010/main" w="9525">
+                <a:solidFill>
+                  <a:schemeClr val="tx1"/>
+                </a:solidFill>
+                <a:miter lim="800000"/>
+                <a:headEnd/>
+                <a:tailEnd/>
+              </a14:hiddenLine>
+            </a:ext>
+          </a:extLst>
+        </p:spPr>
+      </p:pic>
+    </p:spTree>
+    <p:extLst>
+      <p:ext uri="{BB962C8B-B14F-4D97-AF65-F5344CB8AC3E}">
+        <p14:creationId xmlns:p14="http://schemas.microsoft.com/office/powerpoint/2010/main" val="3703470518"/>
+      </p:ext>
+    </p:extLst>
+  </p:cSld>
+  <p:clrMapOvr>
+    <a:masterClrMapping/>
+  </p:clrMapOvr>
 </p:sld>
 </file>
 
